--- a/spring13/slides13/trees-coloring.pptx
+++ b/spring13/slides13/trees-coloring.pptx
@@ -2339,13 +2339,7 @@
               <a:rPr lang="en-US" sz="1200" baseline="0" dirty="0" smtClean="0">
                 <a:latin typeface="Comic Sans MS" pitchFamily="66" charset="0"/>
               </a:rPr>
-              <a:t> </a:t>
-            </a:r>
-            <a:r>
-              <a:rPr lang="en-US" sz="1200" baseline="0" dirty="0" smtClean="0">
-                <a:latin typeface="Comic Sans MS" pitchFamily="66" charset="0"/>
-              </a:rPr>
-              <a:t>8,</a:t>
+              <a:t> 8,</a:t>
             </a:r>
             <a:r>
               <a:rPr lang="en-US" sz="1200" dirty="0" smtClean="0">
